--- a/slides/pptx/week05.pptx
+++ b/slides/pptx/week05.pptx
@@ -9,6 +9,10 @@
     <p:sldId id="257" r:id="rId3"/>
     <p:sldId id="258" r:id="rId4"/>
     <p:sldId id="259" r:id="rId5"/>
+    <p:sldId id="260" r:id="rId6"/>
+    <p:sldId id="261" r:id="rId7"/>
+    <p:sldId id="262" r:id="rId8"/>
+    <p:sldId id="263" r:id="rId9"/>
   </p:sldIdLst>
   <p:sldSz cx="12192000" cy="6858000"/>
   <p:notesSz cx="6858000" cy="9144000"/>
@@ -3407,7 +3411,7 @@
             </a:pPr>
             <a:r>
               <a:rPr/>
-              <a:t>The</a:t>
+              <a:t>Any</a:t>
             </a:r>
             <a:r>
               <a:rPr/>
@@ -3415,7 +3419,7 @@
             </a:r>
             <a:r>
               <a:rPr/>
-              <a:t>Title</a:t>
+              <a:t>Hit</a:t>
             </a:r>
             <a:r>
               <a:rPr/>
@@ -3423,7 +3427,7 @@
             </a:r>
             <a:r>
               <a:rPr/>
-              <a:t>of</a:t>
+              <a:t>Shaders</a:t>
             </a:r>
             <a:r>
               <a:rPr/>
@@ -3431,7 +3435,7 @@
             </a:r>
             <a:r>
               <a:rPr/>
-              <a:t>the</a:t>
+              <a:t>and</a:t>
             </a:r>
             <a:r>
               <a:rPr/>
@@ -3439,7 +3443,7 @@
             </a:r>
             <a:r>
               <a:rPr/>
-              <a:t>Presentation</a:t>
+              <a:t>Shadows</a:t>
             </a:r>
           </a:p>
         </p:txBody>
@@ -3596,7 +3600,7 @@
           <p:cNvPr id="2" name="Title 1">
             <a:extLst>
               <a:ext uri="{FF2B5EF4-FFF2-40B4-BE49-F238E27FC236}">
-                <a16:creationId xmlns:a16="http://schemas.microsoft.com/office/drawing/2014/main" id="{A961E8F3-2071-45E9-B9B2-2CC1494E6117}"/>
+                <a16:creationId xmlns:a16="http://schemas.microsoft.com/office/drawing/2014/main" id="{B9171DC7-83DC-4812-B6D6-720FD0903317}"/>
               </a:ext>
             </a:extLst>
           </p:cNvPr>
@@ -3607,12 +3611,7 @@
             <p:ph type="title"/>
           </p:nvPr>
         </p:nvSpPr>
-        <p:spPr>
-          <a:xfrm>
-            <a:off x="831850" y="1709738"/>
-            <a:ext cx="10515600" cy="2852737"/>
-          </a:xfrm>
-        </p:spPr>
+        <p:spPr/>
         <p:txBody>
           <a:bodyPr/>
           <a:lstStyle/>
@@ -3622,7 +3621,7 @@
             </a:pPr>
             <a:r>
               <a:rPr/>
-              <a:t>The</a:t>
+              <a:t>Any</a:t>
             </a:r>
             <a:r>
               <a:rPr/>
@@ -3630,7 +3629,7 @@
             </a:r>
             <a:r>
               <a:rPr/>
-              <a:t>Title</a:t>
+              <a:t>Hit</a:t>
             </a:r>
             <a:r>
               <a:rPr/>
@@ -3638,7 +3637,7 @@
             </a:r>
             <a:r>
               <a:rPr/>
-              <a:t>of</a:t>
+              <a:t>Shaders</a:t>
             </a:r>
             <a:r>
               <a:rPr/>
@@ -3646,7 +3645,7 @@
             </a:r>
             <a:r>
               <a:rPr/>
-              <a:t>the</a:t>
+              <a:t>and</a:t>
             </a:r>
             <a:r>
               <a:rPr/>
@@ -3654,7 +3653,57 @@
             </a:r>
             <a:r>
               <a:rPr/>
-              <a:t>Presentation</a:t>
+              <a:t>Shadows</a:t>
+            </a:r>
+          </a:p>
+        </p:txBody>
+      </p:sp>
+      <p:sp>
+        <p:nvSpPr>
+          <p:cNvPr id="3" name="Content Placeholder 2">
+            <a:extLst>
+              <a:ext uri="{FF2B5EF4-FFF2-40B4-BE49-F238E27FC236}">
+                <a16:creationId xmlns:a16="http://schemas.microsoft.com/office/drawing/2014/main" id="{E3951675-2757-4186-87D6-120677EA8D01}"/>
+              </a:ext>
+            </a:extLst>
+          </p:cNvPr>
+          <p:cNvSpPr>
+            <a:spLocks noGrp="1"/>
+          </p:cNvSpPr>
+          <p:nvPr>
+            <p:ph idx="1"/>
+          </p:nvPr>
+        </p:nvSpPr>
+        <p:spPr/>
+        <p:txBody>
+          <a:bodyPr/>
+          <a:lstStyle/>
+          <a:p>
+            <a:pPr lvl="1"/>
+            <a:r>
+              <a:rPr/>
+              <a:t>Ray Tracing Pipeline</a:t>
+            </a:r>
+          </a:p>
+          <a:p>
+            <a:pPr lvl="1"/>
+            <a:r>
+              <a:rPr/>
+              <a:t>Any Hit Shaders</a:t>
+            </a:r>
+          </a:p>
+          <a:p>
+            <a:pPr lvl="1"/>
+            <a:r>
+              <a:rPr/>
+              <a:t>Shadow Rays</a:t>
+            </a:r>
+          </a:p>
+          <a:p>
+            <a:pPr lvl="1"/>
+            <a:r>
+              <a:rPr/>
+              <a:t>Participating Media</a:t>
             </a:r>
           </a:p>
         </p:txBody>
@@ -3707,43 +3756,99 @@
             </a:pPr>
             <a:r>
               <a:rPr/>
-              <a:t>Overview</a:t>
-            </a:r>
-          </a:p>
-        </p:txBody>
-      </p:sp>
-      <p:sp>
-        <p:nvSpPr>
-          <p:cNvPr id="3" name="Content Placeholder 2">
-            <a:extLst>
-              <a:ext uri="{FF2B5EF4-FFF2-40B4-BE49-F238E27FC236}">
-                <a16:creationId xmlns:a16="http://schemas.microsoft.com/office/drawing/2014/main" id="{E3951675-2757-4186-87D6-120677EA8D01}"/>
-              </a:ext>
-            </a:extLst>
-          </p:cNvPr>
-          <p:cNvSpPr>
-            <a:spLocks noGrp="1"/>
-          </p:cNvSpPr>
-          <p:nvPr>
-            <p:ph idx="1"/>
-          </p:nvPr>
-        </p:nvSpPr>
-        <p:spPr/>
-        <p:txBody>
-          <a:bodyPr/>
-          <a:lstStyle/>
-          <a:p>
-            <a:pPr lvl="1"/>
-            <a:r>
-              <a:rPr/>
-              <a:t>Item 1</a:t>
-            </a:r>
-          </a:p>
-          <a:p>
-            <a:pPr lvl="1"/>
-            <a:r>
-              <a:rPr/>
-              <a:t>Item 2</a:t>
+              <a:t>Ray</a:t>
+            </a:r>
+            <a:r>
+              <a:rPr/>
+              <a:t> </a:t>
+            </a:r>
+            <a:r>
+              <a:rPr/>
+              <a:t>Tracing</a:t>
+            </a:r>
+            <a:r>
+              <a:rPr/>
+              <a:t> </a:t>
+            </a:r>
+            <a:r>
+              <a:rPr/>
+              <a:t>Pipeline</a:t>
+            </a:r>
+          </a:p>
+        </p:txBody>
+      </p:sp>
+      <p:pic>
+        <p:nvPicPr>
+          <p:cNvPr descr="images/ray-tracing-pipeline.png" id="0" name="Picture 1"/>
+          <p:cNvPicPr>
+            <a:picLocks noGrp="1" noChangeAspect="1"/>
+          </p:cNvPicPr>
+          <p:nvPr/>
+        </p:nvPicPr>
+        <p:blipFill>
+          <a:blip r:embed="rId2"/>
+          <a:stretch>
+            <a:fillRect/>
+          </a:stretch>
+        </p:blipFill>
+        <p:spPr bwMode="auto">
+          <a:xfrm>
+            <a:off x="838200" y="2222500"/>
+            <a:ext cx="10515600" cy="3022600"/>
+          </a:xfrm>
+          <a:prstGeom prst="rect">
+            <a:avLst/>
+          </a:prstGeom>
+          <a:noFill/>
+          <a:ln w="9525">
+            <a:noFill/>
+            <a:headEnd/>
+            <a:tailEnd/>
+          </a:ln>
+        </p:spPr>
+      </p:pic>
+      <p:sp>
+        <p:nvSpPr>
+          <p:cNvPr id="1" name="TextBox 3"/>
+          <p:cNvSpPr txBox="1"/>
+          <p:nvPr/>
+        </p:nvSpPr>
+        <p:spPr>
+          <a:xfrm>
+            <a:off x="838200" y="5651500"/>
+            <a:ext cx="10515600" cy="508000"/>
+          </a:xfrm>
+          <a:prstGeom prst="rect">
+            <a:avLst/>
+          </a:prstGeom>
+          <a:noFill/>
+        </p:spPr>
+        <p:txBody>
+          <a:bodyPr/>
+          <a:lstStyle/>
+          <a:p>
+            <a:pPr lvl="0" marL="0" indent="0" algn="ctr">
+              <a:buNone/>
+            </a:pPr>
+            <a:r>
+              <a:rPr/>
+              <a:t>Ray</a:t>
+            </a:r>
+            <a:r>
+              <a:rPr/>
+              <a:t> </a:t>
+            </a:r>
+            <a:r>
+              <a:rPr/>
+              <a:t>Tracing</a:t>
+            </a:r>
+            <a:r>
+              <a:rPr/>
+              <a:t> </a:t>
+            </a:r>
+            <a:r>
+              <a:rPr/>
+              <a:t>Pipeline</a:t>
             </a:r>
           </a:p>
         </p:txBody>
@@ -3796,6 +3901,522 @@
             </a:pPr>
             <a:r>
               <a:rPr/>
+              <a:t>Any</a:t>
+            </a:r>
+            <a:r>
+              <a:rPr/>
+              <a:t> </a:t>
+            </a:r>
+            <a:r>
+              <a:rPr/>
+              <a:t>Hit</a:t>
+            </a:r>
+            <a:r>
+              <a:rPr/>
+              <a:t> </a:t>
+            </a:r>
+            <a:r>
+              <a:rPr/>
+              <a:t>Shaders</a:t>
+            </a:r>
+          </a:p>
+        </p:txBody>
+      </p:sp>
+      <p:sp>
+        <p:nvSpPr>
+          <p:cNvPr id="3" name="Content Placeholder 2">
+            <a:extLst>
+              <a:ext uri="{FF2B5EF4-FFF2-40B4-BE49-F238E27FC236}">
+                <a16:creationId xmlns:a16="http://schemas.microsoft.com/office/drawing/2014/main" id="{E3951675-2757-4186-87D6-120677EA8D01}"/>
+              </a:ext>
+            </a:extLst>
+          </p:cNvPr>
+          <p:cNvSpPr>
+            <a:spLocks noGrp="1"/>
+          </p:cNvSpPr>
+          <p:nvPr>
+            <p:ph idx="1"/>
+          </p:nvPr>
+        </p:nvSpPr>
+        <p:spPr/>
+        <p:txBody>
+          <a:bodyPr/>
+          <a:lstStyle/>
+          <a:p>
+            <a:pPr lvl="1"/>
+            <a:r>
+              <a:rPr/>
+              <a:t>This is executed after the intersection shader</a:t>
+            </a:r>
+          </a:p>
+          <a:p>
+            <a:pPr lvl="1"/>
+            <a:r>
+              <a:rPr/>
+              <a:t>We have a hit, what do we do?</a:t>
+            </a:r>
+          </a:p>
+          <a:p>
+            <a:pPr lvl="2"/>
+            <a:r>
+              <a:rPr/>
+              <a:t>Alpha Testing?</a:t>
+            </a:r>
+          </a:p>
+          <a:p>
+            <a:pPr lvl="2"/>
+            <a:r>
+              <a:rPr/>
+              <a:t>Spawn new rays?</a:t>
+            </a:r>
+          </a:p>
+          <a:p>
+            <a:pPr lvl="2"/>
+            <a:r>
+              <a:rPr/>
+              <a:t>Kill the ray?</a:t>
+            </a:r>
+          </a:p>
+        </p:txBody>
+      </p:sp>
+    </p:spTree>
+  </p:cSld>
+</p:sld>
+</file>
+
+<file path=ppt/slides/slide5.xml><?xml version="1.0" encoding="utf-8"?>
+<p:sld xmlns:a="http://schemas.openxmlformats.org/drawingml/2006/main" xmlns:r="http://schemas.openxmlformats.org/officeDocument/2006/relationships" xmlns:p="http://schemas.openxmlformats.org/presentationml/2006/main">
+  <p:cSld>
+    <p:spTree>
+      <p:nvGrpSpPr>
+        <p:cNvPr id="1" name=""/>
+        <p:cNvGrpSpPr/>
+        <p:nvPr/>
+      </p:nvGrpSpPr>
+      <p:grpSpPr>
+        <a:xfrm>
+          <a:off x="0" y="0"/>
+          <a:ext cx="0" cy="0"/>
+          <a:chOff x="0" y="0"/>
+          <a:chExt cx="0" cy="0"/>
+        </a:xfrm>
+      </p:grpSpPr>
+      <p:sp>
+        <p:nvSpPr>
+          <p:cNvPr id="2" name="Title 1">
+            <a:extLst>
+              <a:ext uri="{FF2B5EF4-FFF2-40B4-BE49-F238E27FC236}">
+                <a16:creationId xmlns:a16="http://schemas.microsoft.com/office/drawing/2014/main" id="{B9171DC7-83DC-4812-B6D6-720FD0903317}"/>
+              </a:ext>
+            </a:extLst>
+          </p:cNvPr>
+          <p:cNvSpPr>
+            <a:spLocks noGrp="1"/>
+          </p:cNvSpPr>
+          <p:nvPr>
+            <p:ph type="title"/>
+          </p:nvPr>
+        </p:nvSpPr>
+        <p:spPr/>
+        <p:txBody>
+          <a:bodyPr/>
+          <a:lstStyle/>
+          <a:p>
+            <a:pPr lvl="0" marL="0" indent="0">
+              <a:buNone/>
+            </a:pPr>
+            <a:r>
+              <a:rPr/>
+              <a:t>Shadow</a:t>
+            </a:r>
+            <a:r>
+              <a:rPr/>
+              <a:t> </a:t>
+            </a:r>
+            <a:r>
+              <a:rPr/>
+              <a:t>Rays</a:t>
+            </a:r>
+          </a:p>
+        </p:txBody>
+      </p:sp>
+      <p:sp>
+        <p:nvSpPr>
+          <p:cNvPr id="3" name="Content Placeholder 2">
+            <a:extLst>
+              <a:ext uri="{FF2B5EF4-FFF2-40B4-BE49-F238E27FC236}">
+                <a16:creationId xmlns:a16="http://schemas.microsoft.com/office/drawing/2014/main" id="{E3951675-2757-4186-87D6-120677EA8D01}"/>
+              </a:ext>
+            </a:extLst>
+          </p:cNvPr>
+          <p:cNvSpPr>
+            <a:spLocks noGrp="1"/>
+          </p:cNvSpPr>
+          <p:nvPr>
+            <p:ph idx="1"/>
+          </p:nvPr>
+        </p:nvSpPr>
+        <p:spPr/>
+        <p:txBody>
+          <a:bodyPr/>
+          <a:lstStyle/>
+          <a:p>
+            <a:pPr lvl="1"/>
+            <a:r>
+              <a:rPr/>
+              <a:t>Whitted Ray Tracing</a:t>
+            </a:r>
+          </a:p>
+          <a:p>
+            <a:pPr lvl="2"/>
+            <a:r>
+              <a:rPr/>
+              <a:t>Reflection Rays</a:t>
+            </a:r>
+          </a:p>
+          <a:p>
+            <a:pPr lvl="2"/>
+            <a:r>
+              <a:rPr/>
+              <a:t>Refraction Rays</a:t>
+            </a:r>
+          </a:p>
+          <a:p>
+            <a:pPr lvl="2"/>
+            <a:r>
+              <a:rPr/>
+              <a:t>Shadow Rays</a:t>
+            </a:r>
+          </a:p>
+          <a:p>
+            <a:pPr lvl="1"/>
+            <a:r>
+              <a:rPr/>
+              <a:t>Loop Over Every Light</a:t>
+            </a:r>
+          </a:p>
+          <a:p>
+            <a:pPr lvl="2"/>
+            <a:r>
+              <a:rPr/>
+              <a:t>If ray is blocked: we’re in shadow</a:t>
+            </a:r>
+          </a:p>
+          <a:p>
+            <a:pPr lvl="2"/>
+            <a:r>
+              <a:rPr/>
+              <a:t>Else: calculate illumination</a:t>
+            </a:r>
+          </a:p>
+          <a:p>
+            <a:pPr lvl="1"/>
+            <a:r>
+              <a:rPr/>
+              <a:t>So what kind of stuff is blocking?</a:t>
+            </a:r>
+          </a:p>
+        </p:txBody>
+      </p:sp>
+    </p:spTree>
+  </p:cSld>
+</p:sld>
+</file>
+
+<file path=ppt/slides/slide6.xml><?xml version="1.0" encoding="utf-8"?>
+<p:sld xmlns:a="http://schemas.openxmlformats.org/drawingml/2006/main" xmlns:r="http://schemas.openxmlformats.org/officeDocument/2006/relationships" xmlns:p="http://schemas.openxmlformats.org/presentationml/2006/main">
+  <p:cSld>
+    <p:spTree>
+      <p:nvGrpSpPr>
+        <p:cNvPr id="1" name=""/>
+        <p:cNvGrpSpPr/>
+        <p:nvPr/>
+      </p:nvGrpSpPr>
+      <p:grpSpPr>
+        <a:xfrm>
+          <a:off x="0" y="0"/>
+          <a:ext cx="0" cy="0"/>
+          <a:chOff x="0" y="0"/>
+          <a:chExt cx="0" cy="0"/>
+        </a:xfrm>
+      </p:grpSpPr>
+      <p:sp>
+        <p:nvSpPr>
+          <p:cNvPr id="2" name="Title 1">
+            <a:extLst>
+              <a:ext uri="{FF2B5EF4-FFF2-40B4-BE49-F238E27FC236}">
+                <a16:creationId xmlns:a16="http://schemas.microsoft.com/office/drawing/2014/main" id="{B9171DC7-83DC-4812-B6D6-720FD0903317}"/>
+              </a:ext>
+            </a:extLst>
+          </p:cNvPr>
+          <p:cNvSpPr>
+            <a:spLocks noGrp="1"/>
+          </p:cNvSpPr>
+          <p:nvPr>
+            <p:ph type="title"/>
+          </p:nvPr>
+        </p:nvSpPr>
+        <p:spPr/>
+        <p:txBody>
+          <a:bodyPr/>
+          <a:lstStyle/>
+          <a:p>
+            <a:pPr lvl="0" marL="0" indent="0">
+              <a:buNone/>
+            </a:pPr>
+            <a:r>
+              <a:rPr/>
+              <a:t>Participating</a:t>
+            </a:r>
+            <a:r>
+              <a:rPr/>
+              <a:t> </a:t>
+            </a:r>
+            <a:r>
+              <a:rPr/>
+              <a:t>Media</a:t>
+            </a:r>
+          </a:p>
+        </p:txBody>
+      </p:sp>
+      <p:sp>
+        <p:nvSpPr>
+          <p:cNvPr id="3" name="Content Placeholder 2">
+            <a:extLst>
+              <a:ext uri="{FF2B5EF4-FFF2-40B4-BE49-F238E27FC236}">
+                <a16:creationId xmlns:a16="http://schemas.microsoft.com/office/drawing/2014/main" id="{E3951675-2757-4186-87D6-120677EA8D01}"/>
+              </a:ext>
+            </a:extLst>
+          </p:cNvPr>
+          <p:cNvSpPr>
+            <a:spLocks noGrp="1"/>
+          </p:cNvSpPr>
+          <p:nvPr>
+            <p:ph idx="1"/>
+          </p:nvPr>
+        </p:nvSpPr>
+        <p:spPr/>
+        <p:txBody>
+          <a:bodyPr/>
+          <a:lstStyle/>
+          <a:p>
+            <a:pPr lvl="1"/>
+            <a:r>
+              <a:rPr/>
+              <a:t>Stuff that scatters light</a:t>
+            </a:r>
+          </a:p>
+          <a:p>
+            <a:pPr lvl="1"/>
+            <a:r>
+              <a:rPr/>
+              <a:t>Translucent objects</a:t>
+            </a:r>
+          </a:p>
+          <a:p>
+            <a:pPr lvl="1"/>
+            <a:r>
+              <a:rPr/>
+              <a:t>Participating media</a:t>
+            </a:r>
+          </a:p>
+          <a:p>
+            <a:pPr lvl="2"/>
+            <a:r>
+              <a:rPr/>
+              <a:t>Isotropic</a:t>
+            </a:r>
+          </a:p>
+          <a:p>
+            <a:pPr lvl="2"/>
+            <a:r>
+              <a:rPr/>
+              <a:t>Anisotropic</a:t>
+            </a:r>
+          </a:p>
+          <a:p>
+            <a:pPr lvl="1"/>
+            <a:r>
+              <a:rPr/>
+              <a:t>Examples: marble, milk, skin, aerial perspective</a:t>
+            </a:r>
+          </a:p>
+        </p:txBody>
+      </p:sp>
+    </p:spTree>
+  </p:cSld>
+</p:sld>
+</file>
+
+<file path=ppt/slides/slide7.xml><?xml version="1.0" encoding="utf-8"?>
+<p:sld xmlns:a="http://schemas.openxmlformats.org/drawingml/2006/main" xmlns:r="http://schemas.openxmlformats.org/officeDocument/2006/relationships" xmlns:p="http://schemas.openxmlformats.org/presentationml/2006/main">
+  <p:cSld>
+    <p:spTree>
+      <p:nvGrpSpPr>
+        <p:cNvPr id="1" name=""/>
+        <p:cNvGrpSpPr/>
+        <p:nvPr/>
+      </p:nvGrpSpPr>
+      <p:grpSpPr>
+        <a:xfrm>
+          <a:off x="0" y="0"/>
+          <a:ext cx="0" cy="0"/>
+          <a:chOff x="0" y="0"/>
+          <a:chExt cx="0" cy="0"/>
+        </a:xfrm>
+      </p:grpSpPr>
+      <p:sp>
+        <p:nvSpPr>
+          <p:cNvPr id="2" name="Title 1">
+            <a:extLst>
+              <a:ext uri="{FF2B5EF4-FFF2-40B4-BE49-F238E27FC236}">
+                <a16:creationId xmlns:a16="http://schemas.microsoft.com/office/drawing/2014/main" id="{B9171DC7-83DC-4812-B6D6-720FD0903317}"/>
+              </a:ext>
+            </a:extLst>
+          </p:cNvPr>
+          <p:cNvSpPr>
+            <a:spLocks noGrp="1"/>
+          </p:cNvSpPr>
+          <p:nvPr>
+            <p:ph type="title"/>
+          </p:nvPr>
+        </p:nvSpPr>
+        <p:spPr/>
+        <p:txBody>
+          <a:bodyPr/>
+          <a:lstStyle/>
+          <a:p>
+            <a:pPr lvl="0" marL="0" indent="0">
+              <a:buNone/>
+            </a:pPr>
+            <a:r>
+              <a:rPr/>
+              <a:t>Types</a:t>
+            </a:r>
+            <a:r>
+              <a:rPr/>
+              <a:t> </a:t>
+            </a:r>
+            <a:r>
+              <a:rPr/>
+              <a:t>of</a:t>
+            </a:r>
+            <a:r>
+              <a:rPr/>
+              <a:t> </a:t>
+            </a:r>
+            <a:r>
+              <a:rPr/>
+              <a:t>Scattering</a:t>
+            </a:r>
+          </a:p>
+        </p:txBody>
+      </p:sp>
+      <p:sp>
+        <p:nvSpPr>
+          <p:cNvPr id="3" name="Content Placeholder 2">
+            <a:extLst>
+              <a:ext uri="{FF2B5EF4-FFF2-40B4-BE49-F238E27FC236}">
+                <a16:creationId xmlns:a16="http://schemas.microsoft.com/office/drawing/2014/main" id="{E3951675-2757-4186-87D6-120677EA8D01}"/>
+              </a:ext>
+            </a:extLst>
+          </p:cNvPr>
+          <p:cNvSpPr>
+            <a:spLocks noGrp="1"/>
+          </p:cNvSpPr>
+          <p:nvPr>
+            <p:ph idx="1"/>
+          </p:nvPr>
+        </p:nvSpPr>
+        <p:spPr/>
+        <p:txBody>
+          <a:bodyPr/>
+          <a:lstStyle/>
+          <a:p>
+            <a:pPr lvl="1"/>
+            <a:r>
+              <a:rPr/>
+              <a:t>Absorption</a:t>
+            </a:r>
+          </a:p>
+          <a:p>
+            <a:pPr lvl="1"/>
+            <a:r>
+              <a:rPr/>
+              <a:t>Emission</a:t>
+            </a:r>
+          </a:p>
+          <a:p>
+            <a:pPr lvl="1"/>
+            <a:r>
+              <a:rPr/>
+              <a:t>In-scattering</a:t>
+            </a:r>
+          </a:p>
+          <a:p>
+            <a:pPr lvl="1"/>
+            <a:r>
+              <a:rPr/>
+              <a:t>Out-scattering</a:t>
+            </a:r>
+          </a:p>
+          <a:p>
+            <a:pPr lvl="1"/>
+            <a:r>
+              <a:rPr/>
+              <a:t>Complications (Change of Phase, Spectral)</a:t>
+            </a:r>
+          </a:p>
+        </p:txBody>
+      </p:sp>
+    </p:spTree>
+  </p:cSld>
+</p:sld>
+</file>
+
+<file path=ppt/slides/slide8.xml><?xml version="1.0" encoding="utf-8"?>
+<p:sld xmlns:a="http://schemas.openxmlformats.org/drawingml/2006/main" xmlns:r="http://schemas.openxmlformats.org/officeDocument/2006/relationships" xmlns:p="http://schemas.openxmlformats.org/presentationml/2006/main">
+  <p:cSld>
+    <p:spTree>
+      <p:nvGrpSpPr>
+        <p:cNvPr id="1" name=""/>
+        <p:cNvGrpSpPr/>
+        <p:nvPr/>
+      </p:nvGrpSpPr>
+      <p:grpSpPr>
+        <a:xfrm>
+          <a:off x="0" y="0"/>
+          <a:ext cx="0" cy="0"/>
+          <a:chOff x="0" y="0"/>
+          <a:chExt cx="0" cy="0"/>
+        </a:xfrm>
+      </p:grpSpPr>
+      <p:sp>
+        <p:nvSpPr>
+          <p:cNvPr id="2" name="Title 1">
+            <a:extLst>
+              <a:ext uri="{FF2B5EF4-FFF2-40B4-BE49-F238E27FC236}">
+                <a16:creationId xmlns:a16="http://schemas.microsoft.com/office/drawing/2014/main" id="{B9171DC7-83DC-4812-B6D6-720FD0903317}"/>
+              </a:ext>
+            </a:extLst>
+          </p:cNvPr>
+          <p:cNvSpPr>
+            <a:spLocks noGrp="1"/>
+          </p:cNvSpPr>
+          <p:nvPr>
+            <p:ph type="title"/>
+          </p:nvPr>
+        </p:nvSpPr>
+        <p:spPr/>
+        <p:txBody>
+          <a:bodyPr/>
+          <a:lstStyle/>
+          <a:p>
+            <a:pPr lvl="0" marL="0" indent="0">
+              <a:buNone/>
+            </a:pPr>
+            <a:r>
+              <a:rPr/>
               <a:t>Hybrid</a:t>
             </a:r>
             <a:r>
@@ -3856,64 +4477,10 @@
           <a:p>
             <a:pPr lvl="1"/>
             <a:r>
-              <a:rPr/>
-              <a:t>Hybrid Topic Name</a:t>
-            </a:r>
-          </a:p>
-          <a:p>
-            <a:pPr lvl="2"/>
-            <a:r>
-              <a:rPr/>
-              <a:t>Topic 1</a:t>
-            </a:r>
-          </a:p>
-          <a:p>
-            <a:pPr lvl="2"/>
-            <a:r>
-              <a:rPr/>
-              <a:t>Topic 2</a:t>
-            </a:r>
-          </a:p>
-          <a:p>
-            <a:pPr lvl="1"/>
-            <a:r>
-              <a:rPr/>
-              <a:t>Activity Worksheet</a:t>
-            </a:r>
-          </a:p>
-          <a:p>
-            <a:pPr lvl="2"/>
-            <a:r>
-              <a:rPr/>
-              <a:t>Item 1</a:t>
-            </a:r>
-          </a:p>
-          <a:p>
-            <a:pPr lvl="2"/>
-            <a:r>
-              <a:rPr/>
-              <a:t>Item 2</a:t>
-            </a:r>
-          </a:p>
-          <a:p>
-            <a:pPr lvl="1"/>
-            <a:r>
-              <a:rPr/>
-              <a:t>Graduate Activity</a:t>
-            </a:r>
-          </a:p>
-          <a:p>
-            <a:pPr lvl="2"/>
-            <a:r>
-              <a:rPr/>
-              <a:t>Item 1</a:t>
-            </a:r>
-          </a:p>
-          <a:p>
-            <a:pPr lvl="2"/>
-            <a:r>
-              <a:rPr/>
-              <a:t>Item 2</a:t>
+              <a:rPr>
+                <a:hlinkClick r:id="rId2"/>
+              </a:rPr>
+              <a:t>Any Hit Shaders and Shadows</a:t>
             </a:r>
           </a:p>
         </p:txBody>

--- a/slides/pptx/week05.pptx
+++ b/slides/pptx/week05.pptx
@@ -281,7 +281,7 @@
           <a:p>
             <a:fld id="{241EB5C9-1307-BA42-ABA2-0BC069CD8E7F}" type="datetimeFigureOut">
               <a:rPr lang="en-US" smtClean="0"/>
-              <a:t>1/19/2019</a:t>
+              <a:t>2/19/2019</a:t>
             </a:fld>
             <a:endParaRPr lang="en-US"/>
           </a:p>
@@ -479,7 +479,7 @@
           <a:p>
             <a:fld id="{241EB5C9-1307-BA42-ABA2-0BC069CD8E7F}" type="datetimeFigureOut">
               <a:rPr lang="en-US" smtClean="0"/>
-              <a:t>1/19/2019</a:t>
+              <a:t>2/19/2019</a:t>
             </a:fld>
             <a:endParaRPr lang="en-US"/>
           </a:p>
@@ -687,7 +687,7 @@
           <a:p>
             <a:fld id="{241EB5C9-1307-BA42-ABA2-0BC069CD8E7F}" type="datetimeFigureOut">
               <a:rPr lang="en-US" smtClean="0"/>
-              <a:t>1/19/2019</a:t>
+              <a:t>2/19/2019</a:t>
             </a:fld>
             <a:endParaRPr lang="en-US"/>
           </a:p>
@@ -885,7 +885,7 @@
           <a:p>
             <a:fld id="{241EB5C9-1307-BA42-ABA2-0BC069CD8E7F}" type="datetimeFigureOut">
               <a:rPr lang="en-US" smtClean="0"/>
-              <a:t>1/19/2019</a:t>
+              <a:t>2/19/2019</a:t>
             </a:fld>
             <a:endParaRPr lang="en-US"/>
           </a:p>
@@ -1162,7 +1162,7 @@
           <a:p>
             <a:fld id="{241EB5C9-1307-BA42-ABA2-0BC069CD8E7F}" type="datetimeFigureOut">
               <a:rPr lang="en-US" smtClean="0"/>
-              <a:t>1/19/2019</a:t>
+              <a:t>2/19/2019</a:t>
             </a:fld>
             <a:endParaRPr lang="en-US"/>
           </a:p>
@@ -1427,7 +1427,7 @@
           <a:p>
             <a:fld id="{241EB5C9-1307-BA42-ABA2-0BC069CD8E7F}" type="datetimeFigureOut">
               <a:rPr lang="en-US" smtClean="0"/>
-              <a:t>1/19/2019</a:t>
+              <a:t>2/19/2019</a:t>
             </a:fld>
             <a:endParaRPr lang="en-US"/>
           </a:p>
@@ -1839,7 +1839,7 @@
           <a:p>
             <a:fld id="{241EB5C9-1307-BA42-ABA2-0BC069CD8E7F}" type="datetimeFigureOut">
               <a:rPr lang="en-US" smtClean="0"/>
-              <a:t>1/19/2019</a:t>
+              <a:t>2/19/2019</a:t>
             </a:fld>
             <a:endParaRPr lang="en-US"/>
           </a:p>
@@ -1980,7 +1980,7 @@
           <a:p>
             <a:fld id="{241EB5C9-1307-BA42-ABA2-0BC069CD8E7F}" type="datetimeFigureOut">
               <a:rPr lang="en-US" smtClean="0"/>
-              <a:t>1/19/2019</a:t>
+              <a:t>2/19/2019</a:t>
             </a:fld>
             <a:endParaRPr lang="en-US"/>
           </a:p>
@@ -2093,7 +2093,7 @@
           <a:p>
             <a:fld id="{241EB5C9-1307-BA42-ABA2-0BC069CD8E7F}" type="datetimeFigureOut">
               <a:rPr lang="en-US" smtClean="0"/>
-              <a:t>1/19/2019</a:t>
+              <a:t>2/19/2019</a:t>
             </a:fld>
             <a:endParaRPr lang="en-US"/>
           </a:p>
@@ -2404,7 +2404,7 @@
           <a:p>
             <a:fld id="{241EB5C9-1307-BA42-ABA2-0BC069CD8E7F}" type="datetimeFigureOut">
               <a:rPr lang="en-US" smtClean="0"/>
-              <a:t>1/19/2019</a:t>
+              <a:t>2/19/2019</a:t>
             </a:fld>
             <a:endParaRPr lang="en-US"/>
           </a:p>
@@ -2692,7 +2692,7 @@
           <a:p>
             <a:fld id="{241EB5C9-1307-BA42-ABA2-0BC069CD8E7F}" type="datetimeFigureOut">
               <a:rPr lang="en-US" smtClean="0"/>
-              <a:t>1/19/2019</a:t>
+              <a:t>2/19/2019</a:t>
             </a:fld>
             <a:endParaRPr lang="en-US"/>
           </a:p>
@@ -2858,35 +2858,35 @@
           <a:p>
             <a:pPr lvl="0"/>
             <a:r>
-              <a:rPr lang="en-US"/>
+              <a:rPr lang="en-US" dirty="0"/>
               <a:t>Edit Master text styles</a:t>
             </a:r>
           </a:p>
           <a:p>
             <a:pPr lvl="1"/>
             <a:r>
-              <a:rPr lang="en-US"/>
+              <a:rPr lang="en-US" dirty="0"/>
               <a:t>Second level</a:t>
             </a:r>
           </a:p>
           <a:p>
             <a:pPr lvl="2"/>
             <a:r>
-              <a:rPr lang="en-US"/>
+              <a:rPr lang="en-US" dirty="0"/>
               <a:t>Third level</a:t>
             </a:r>
           </a:p>
           <a:p>
             <a:pPr lvl="3"/>
             <a:r>
-              <a:rPr lang="en-US"/>
+              <a:rPr lang="en-US" dirty="0"/>
               <a:t>Fourth level</a:t>
             </a:r>
           </a:p>
           <a:p>
             <a:pPr lvl="4"/>
             <a:r>
-              <a:rPr lang="en-US"/>
+              <a:rPr lang="en-US" dirty="0"/>
               <a:t>Fifth level</a:t>
             </a:r>
           </a:p>
@@ -2933,7 +2933,7 @@
           <a:p>
             <a:fld id="{241EB5C9-1307-BA42-ABA2-0BC069CD8E7F}" type="datetimeFigureOut">
               <a:rPr lang="en-US" smtClean="0"/>
-              <a:t>1/19/2019</a:t>
+              <a:t>2/19/2019</a:t>
             </a:fld>
             <a:endParaRPr lang="en-US"/>
           </a:p>
@@ -3090,7 +3090,7 @@
           <a:spcPct val="0"/>
         </a:spcBef>
         <a:buNone/>
-        <a:defRPr sz="5600" b="1" kern="1200">
+        <a:defRPr sz="4400" b="1" kern="1200">
           <a:solidFill>
             <a:schemeClr val="tx1"/>
           </a:solidFill>
